--- a/RTOS-4.pptx
+++ b/RTOS-4.pptx
@@ -34,7 +34,8 @@
     <p:sldId id="284" r:id="rId28"/>
     <p:sldId id="286" r:id="rId29"/>
     <p:sldId id="287" r:id="rId30"/>
-    <p:sldId id="288" r:id="rId31"/>
+    <p:sldId id="290" r:id="rId31"/>
+    <p:sldId id="288" r:id="rId32"/>
   </p:sldIdLst>
   <p:sldSz cx="9144000" cy="6858000" type="screen4x3"/>
   <p:notesSz cx="6858000" cy="9144000"/>
@@ -11322,6 +11323,787 @@
 </file>
 
 <file path=ppt/slides/slide30.xml><?xml version="1.0" encoding="utf-8"?>
+<p:sld xmlns:a="http://schemas.openxmlformats.org/drawingml/2006/main" xmlns:r="http://schemas.openxmlformats.org/officeDocument/2006/relationships" xmlns:p="http://schemas.openxmlformats.org/presentationml/2006/main">
+  <p:cSld>
+    <p:spTree>
+      <p:nvGrpSpPr>
+        <p:cNvPr id="1" name=""/>
+        <p:cNvGrpSpPr/>
+        <p:nvPr/>
+      </p:nvGrpSpPr>
+      <p:grpSpPr>
+        <a:xfrm>
+          <a:off x="0" y="0"/>
+          <a:ext cx="0" cy="0"/>
+          <a:chOff x="0" y="0"/>
+          <a:chExt cx="0" cy="0"/>
+        </a:xfrm>
+      </p:grpSpPr>
+      <p:sp>
+        <p:nvSpPr>
+          <p:cNvPr id="2" name="Title 1"/>
+          <p:cNvSpPr>
+            <a:spLocks noGrp="1"/>
+          </p:cNvSpPr>
+          <p:nvPr>
+            <p:ph type="title"/>
+          </p:nvPr>
+        </p:nvSpPr>
+        <p:spPr>
+          <a:ln>
+            <a:solidFill>
+              <a:schemeClr val="accent1"/>
+            </a:solidFill>
+          </a:ln>
+        </p:spPr>
+        <p:txBody>
+          <a:bodyPr/>
+          <a:lstStyle/>
+          <a:p>
+            <a:r>
+              <a:rPr lang="en-US" dirty="0" smtClean="0"/>
+              <a:t>Scheduling methods in RTOS</a:t>
+            </a:r>
+            <a:endParaRPr lang="en-US" dirty="0"/>
+          </a:p>
+        </p:txBody>
+      </p:sp>
+      <p:sp>
+        <p:nvSpPr>
+          <p:cNvPr id="4" name="Rounded Rectangle 3"/>
+          <p:cNvSpPr/>
+          <p:nvPr/>
+        </p:nvSpPr>
+        <p:spPr>
+          <a:xfrm>
+            <a:off x="685800" y="2286000"/>
+            <a:ext cx="2286000" cy="609600"/>
+          </a:xfrm>
+          <a:prstGeom prst="roundRect">
+            <a:avLst/>
+          </a:prstGeom>
+        </p:spPr>
+        <p:style>
+          <a:lnRef idx="2">
+            <a:schemeClr val="accent1">
+              <a:shade val="50000"/>
+            </a:schemeClr>
+          </a:lnRef>
+          <a:fillRef idx="1">
+            <a:schemeClr val="accent1"/>
+          </a:fillRef>
+          <a:effectRef idx="0">
+            <a:schemeClr val="accent1"/>
+          </a:effectRef>
+          <a:fontRef idx="minor">
+            <a:schemeClr val="lt1"/>
+          </a:fontRef>
+        </p:style>
+        <p:txBody>
+          <a:bodyPr rtlCol="0" anchor="ctr"/>
+          <a:lstStyle/>
+          <a:p>
+            <a:pPr algn="ctr"/>
+            <a:r>
+              <a:rPr lang="en-US" dirty="0" smtClean="0"/>
+              <a:t>Clock Driven	</a:t>
+            </a:r>
+            <a:endParaRPr lang="en-US" dirty="0"/>
+          </a:p>
+        </p:txBody>
+      </p:sp>
+      <p:sp>
+        <p:nvSpPr>
+          <p:cNvPr id="5" name="Rounded Rectangle 4"/>
+          <p:cNvSpPr/>
+          <p:nvPr/>
+        </p:nvSpPr>
+        <p:spPr>
+          <a:xfrm>
+            <a:off x="3429000" y="2286000"/>
+            <a:ext cx="2286000" cy="609600"/>
+          </a:xfrm>
+          <a:prstGeom prst="roundRect">
+            <a:avLst/>
+          </a:prstGeom>
+        </p:spPr>
+        <p:style>
+          <a:lnRef idx="2">
+            <a:schemeClr val="accent1">
+              <a:shade val="50000"/>
+            </a:schemeClr>
+          </a:lnRef>
+          <a:fillRef idx="1">
+            <a:schemeClr val="accent1"/>
+          </a:fillRef>
+          <a:effectRef idx="0">
+            <a:schemeClr val="accent1"/>
+          </a:effectRef>
+          <a:fontRef idx="minor">
+            <a:schemeClr val="lt1"/>
+          </a:fontRef>
+        </p:style>
+        <p:txBody>
+          <a:bodyPr rtlCol="0" anchor="ctr"/>
+          <a:lstStyle/>
+          <a:p>
+            <a:pPr algn="ctr"/>
+            <a:r>
+              <a:rPr lang="en-US" dirty="0" smtClean="0"/>
+              <a:t>Weighted Round Robin</a:t>
+            </a:r>
+            <a:endParaRPr lang="en-US" dirty="0"/>
+          </a:p>
+        </p:txBody>
+      </p:sp>
+      <p:sp>
+        <p:nvSpPr>
+          <p:cNvPr id="6" name="Rounded Rectangle 5"/>
+          <p:cNvSpPr/>
+          <p:nvPr/>
+        </p:nvSpPr>
+        <p:spPr>
+          <a:xfrm>
+            <a:off x="6172200" y="2286000"/>
+            <a:ext cx="2286000" cy="609600"/>
+          </a:xfrm>
+          <a:prstGeom prst="roundRect">
+            <a:avLst/>
+          </a:prstGeom>
+        </p:spPr>
+        <p:style>
+          <a:lnRef idx="2">
+            <a:schemeClr val="accent1">
+              <a:shade val="50000"/>
+            </a:schemeClr>
+          </a:lnRef>
+          <a:fillRef idx="1">
+            <a:schemeClr val="accent1"/>
+          </a:fillRef>
+          <a:effectRef idx="0">
+            <a:schemeClr val="accent1"/>
+          </a:effectRef>
+          <a:fontRef idx="minor">
+            <a:schemeClr val="lt1"/>
+          </a:fontRef>
+        </p:style>
+        <p:txBody>
+          <a:bodyPr rtlCol="0" anchor="ctr"/>
+          <a:lstStyle/>
+          <a:p>
+            <a:pPr algn="ctr"/>
+            <a:r>
+              <a:rPr lang="en-US" dirty="0" smtClean="0"/>
+              <a:t>Priority Driven</a:t>
+            </a:r>
+            <a:endParaRPr lang="en-US" dirty="0"/>
+          </a:p>
+        </p:txBody>
+      </p:sp>
+      <p:cxnSp>
+        <p:nvCxnSpPr>
+          <p:cNvPr id="8" name="Straight Arrow Connector 7"/>
+          <p:cNvCxnSpPr>
+            <a:stCxn id="2" idx="2"/>
+            <a:endCxn id="4" idx="0"/>
+          </p:cNvCxnSpPr>
+          <p:nvPr/>
+        </p:nvCxnSpPr>
+        <p:spPr>
+          <a:xfrm flipH="1">
+            <a:off x="1828800" y="1417638"/>
+            <a:ext cx="2743200" cy="868362"/>
+          </a:xfrm>
+          <a:prstGeom prst="straightConnector1">
+            <a:avLst/>
+          </a:prstGeom>
+          <a:ln>
+            <a:tailEnd type="arrow"/>
+          </a:ln>
+        </p:spPr>
+        <p:style>
+          <a:lnRef idx="1">
+            <a:schemeClr val="accent1"/>
+          </a:lnRef>
+          <a:fillRef idx="0">
+            <a:schemeClr val="accent1"/>
+          </a:fillRef>
+          <a:effectRef idx="0">
+            <a:schemeClr val="accent1"/>
+          </a:effectRef>
+          <a:fontRef idx="minor">
+            <a:schemeClr val="tx1"/>
+          </a:fontRef>
+        </p:style>
+      </p:cxnSp>
+      <p:cxnSp>
+        <p:nvCxnSpPr>
+          <p:cNvPr id="10" name="Straight Arrow Connector 9"/>
+          <p:cNvCxnSpPr>
+            <a:stCxn id="2" idx="2"/>
+            <a:endCxn id="5" idx="0"/>
+          </p:cNvCxnSpPr>
+          <p:nvPr/>
+        </p:nvCxnSpPr>
+        <p:spPr>
+          <a:xfrm>
+            <a:off x="4572000" y="1417638"/>
+            <a:ext cx="0" cy="868362"/>
+          </a:xfrm>
+          <a:prstGeom prst="straightConnector1">
+            <a:avLst/>
+          </a:prstGeom>
+          <a:ln>
+            <a:tailEnd type="arrow"/>
+          </a:ln>
+        </p:spPr>
+        <p:style>
+          <a:lnRef idx="1">
+            <a:schemeClr val="accent1"/>
+          </a:lnRef>
+          <a:fillRef idx="0">
+            <a:schemeClr val="accent1"/>
+          </a:fillRef>
+          <a:effectRef idx="0">
+            <a:schemeClr val="accent1"/>
+          </a:effectRef>
+          <a:fontRef idx="minor">
+            <a:schemeClr val="tx1"/>
+          </a:fontRef>
+        </p:style>
+      </p:cxnSp>
+      <p:cxnSp>
+        <p:nvCxnSpPr>
+          <p:cNvPr id="12" name="Straight Arrow Connector 11"/>
+          <p:cNvCxnSpPr>
+            <a:stCxn id="2" idx="2"/>
+            <a:endCxn id="6" idx="0"/>
+          </p:cNvCxnSpPr>
+          <p:nvPr/>
+        </p:nvCxnSpPr>
+        <p:spPr>
+          <a:xfrm>
+            <a:off x="4572000" y="1417638"/>
+            <a:ext cx="2743200" cy="868362"/>
+          </a:xfrm>
+          <a:prstGeom prst="straightConnector1">
+            <a:avLst/>
+          </a:prstGeom>
+          <a:ln>
+            <a:tailEnd type="arrow"/>
+          </a:ln>
+        </p:spPr>
+        <p:style>
+          <a:lnRef idx="1">
+            <a:schemeClr val="accent1"/>
+          </a:lnRef>
+          <a:fillRef idx="0">
+            <a:schemeClr val="accent1"/>
+          </a:fillRef>
+          <a:effectRef idx="0">
+            <a:schemeClr val="accent1"/>
+          </a:effectRef>
+          <a:fontRef idx="minor">
+            <a:schemeClr val="tx1"/>
+          </a:fontRef>
+        </p:style>
+      </p:cxnSp>
+      <p:sp>
+        <p:nvSpPr>
+          <p:cNvPr id="13" name="Rounded Rectangle 12"/>
+          <p:cNvSpPr/>
+          <p:nvPr/>
+        </p:nvSpPr>
+        <p:spPr>
+          <a:xfrm>
+            <a:off x="1219200" y="3124200"/>
+            <a:ext cx="2895600" cy="609600"/>
+          </a:xfrm>
+          <a:prstGeom prst="roundRect">
+            <a:avLst/>
+          </a:prstGeom>
+        </p:spPr>
+        <p:style>
+          <a:lnRef idx="2">
+            <a:schemeClr val="accent1">
+              <a:shade val="50000"/>
+            </a:schemeClr>
+          </a:lnRef>
+          <a:fillRef idx="1">
+            <a:schemeClr val="accent1"/>
+          </a:fillRef>
+          <a:effectRef idx="0">
+            <a:schemeClr val="accent1"/>
+          </a:effectRef>
+          <a:fontRef idx="minor">
+            <a:schemeClr val="lt1"/>
+          </a:fontRef>
+        </p:style>
+        <p:txBody>
+          <a:bodyPr rtlCol="0" anchor="ctr"/>
+          <a:lstStyle/>
+          <a:p>
+            <a:pPr algn="ctr"/>
+            <a:r>
+              <a:rPr lang="en-US" dirty="0" smtClean="0"/>
+              <a:t>Clock Driven Scheduler</a:t>
+            </a:r>
+          </a:p>
+          <a:p>
+            <a:pPr algn="ctr"/>
+            <a:r>
+              <a:rPr lang="en-US" dirty="0" smtClean="0"/>
+              <a:t>For periodic jobs	</a:t>
+            </a:r>
+            <a:endParaRPr lang="en-US" dirty="0"/>
+          </a:p>
+        </p:txBody>
+      </p:sp>
+      <p:sp>
+        <p:nvSpPr>
+          <p:cNvPr id="14" name="Rounded Rectangle 13"/>
+          <p:cNvSpPr/>
+          <p:nvPr/>
+        </p:nvSpPr>
+        <p:spPr>
+          <a:xfrm>
+            <a:off x="1219200" y="3886200"/>
+            <a:ext cx="2895600" cy="609600"/>
+          </a:xfrm>
+          <a:prstGeom prst="roundRect">
+            <a:avLst/>
+          </a:prstGeom>
+        </p:spPr>
+        <p:style>
+          <a:lnRef idx="2">
+            <a:schemeClr val="accent1">
+              <a:shade val="50000"/>
+            </a:schemeClr>
+          </a:lnRef>
+          <a:fillRef idx="1">
+            <a:schemeClr val="accent1"/>
+          </a:fillRef>
+          <a:effectRef idx="0">
+            <a:schemeClr val="accent1"/>
+          </a:effectRef>
+          <a:fontRef idx="minor">
+            <a:schemeClr val="lt1"/>
+          </a:fontRef>
+        </p:style>
+        <p:txBody>
+          <a:bodyPr rtlCol="0" anchor="ctr"/>
+          <a:lstStyle/>
+          <a:p>
+            <a:pPr algn="ctr"/>
+            <a:r>
+              <a:rPr lang="en-US" dirty="0" smtClean="0"/>
+              <a:t>Cyclic Executives</a:t>
+            </a:r>
+            <a:endParaRPr lang="en-US" dirty="0"/>
+          </a:p>
+        </p:txBody>
+      </p:sp>
+      <p:sp>
+        <p:nvSpPr>
+          <p:cNvPr id="15" name="Rounded Rectangle 14"/>
+          <p:cNvSpPr/>
+          <p:nvPr/>
+        </p:nvSpPr>
+        <p:spPr>
+          <a:xfrm>
+            <a:off x="1219200" y="4648200"/>
+            <a:ext cx="2895600" cy="609600"/>
+          </a:xfrm>
+          <a:prstGeom prst="roundRect">
+            <a:avLst/>
+          </a:prstGeom>
+        </p:spPr>
+        <p:style>
+          <a:lnRef idx="2">
+            <a:schemeClr val="accent1">
+              <a:shade val="50000"/>
+            </a:schemeClr>
+          </a:lnRef>
+          <a:fillRef idx="1">
+            <a:schemeClr val="accent1"/>
+          </a:fillRef>
+          <a:effectRef idx="0">
+            <a:schemeClr val="accent1"/>
+          </a:effectRef>
+          <a:fontRef idx="minor">
+            <a:schemeClr val="lt1"/>
+          </a:fontRef>
+        </p:style>
+        <p:txBody>
+          <a:bodyPr rtlCol="0" anchor="ctr"/>
+          <a:lstStyle/>
+          <a:p>
+            <a:pPr algn="ctr"/>
+            <a:r>
+              <a:rPr lang="en-US" dirty="0" smtClean="0"/>
+              <a:t>Slack Stealing a method of scheduling </a:t>
+            </a:r>
+            <a:r>
+              <a:rPr lang="en-US" dirty="0" err="1" smtClean="0"/>
+              <a:t>aperiodic</a:t>
+            </a:r>
+            <a:r>
+              <a:rPr lang="en-US" dirty="0" smtClean="0"/>
+              <a:t> jobs</a:t>
+            </a:r>
+            <a:endParaRPr lang="en-US" dirty="0"/>
+          </a:p>
+        </p:txBody>
+      </p:sp>
+      <p:sp>
+        <p:nvSpPr>
+          <p:cNvPr id="16" name="Rounded Rectangle 15"/>
+          <p:cNvSpPr/>
+          <p:nvPr/>
+        </p:nvSpPr>
+        <p:spPr>
+          <a:xfrm>
+            <a:off x="1219200" y="5410200"/>
+            <a:ext cx="2895600" cy="609600"/>
+          </a:xfrm>
+          <a:prstGeom prst="roundRect">
+            <a:avLst/>
+          </a:prstGeom>
+        </p:spPr>
+        <p:style>
+          <a:lnRef idx="2">
+            <a:schemeClr val="accent1">
+              <a:shade val="50000"/>
+            </a:schemeClr>
+          </a:lnRef>
+          <a:fillRef idx="1">
+            <a:schemeClr val="accent1"/>
+          </a:fillRef>
+          <a:effectRef idx="0">
+            <a:schemeClr val="accent1"/>
+          </a:effectRef>
+          <a:fontRef idx="minor">
+            <a:schemeClr val="lt1"/>
+          </a:fontRef>
+        </p:style>
+        <p:txBody>
+          <a:bodyPr rtlCol="0" anchor="ctr"/>
+          <a:lstStyle/>
+          <a:p>
+            <a:pPr algn="ctr"/>
+            <a:r>
+              <a:rPr lang="en-US" dirty="0" smtClean="0"/>
+              <a:t>Average Response time of a </a:t>
+            </a:r>
+            <a:r>
+              <a:rPr lang="en-US" dirty="0" err="1" smtClean="0"/>
+              <a:t>aperiodict</a:t>
+            </a:r>
+            <a:r>
+              <a:rPr lang="en-US" dirty="0" smtClean="0"/>
+              <a:t> jobs</a:t>
+            </a:r>
+            <a:endParaRPr lang="en-US" dirty="0"/>
+          </a:p>
+        </p:txBody>
+      </p:sp>
+      <p:sp>
+        <p:nvSpPr>
+          <p:cNvPr id="17" name="Rounded Rectangle 16"/>
+          <p:cNvSpPr/>
+          <p:nvPr/>
+        </p:nvSpPr>
+        <p:spPr>
+          <a:xfrm>
+            <a:off x="1219200" y="6172200"/>
+            <a:ext cx="2895600" cy="609600"/>
+          </a:xfrm>
+          <a:prstGeom prst="roundRect">
+            <a:avLst/>
+          </a:prstGeom>
+        </p:spPr>
+        <p:style>
+          <a:lnRef idx="2">
+            <a:schemeClr val="accent1">
+              <a:shade val="50000"/>
+            </a:schemeClr>
+          </a:lnRef>
+          <a:fillRef idx="1">
+            <a:schemeClr val="accent1"/>
+          </a:fillRef>
+          <a:effectRef idx="0">
+            <a:schemeClr val="accent1"/>
+          </a:effectRef>
+          <a:fontRef idx="minor">
+            <a:schemeClr val="lt1"/>
+          </a:fontRef>
+        </p:style>
+        <p:txBody>
+          <a:bodyPr rtlCol="0" anchor="ctr"/>
+          <a:lstStyle/>
+          <a:p>
+            <a:pPr algn="ctr"/>
+            <a:r>
+              <a:rPr lang="en-US" dirty="0" smtClean="0"/>
+              <a:t>Scheduler for Sporadic jobs</a:t>
+            </a:r>
+            <a:endParaRPr lang="en-US" dirty="0"/>
+          </a:p>
+        </p:txBody>
+      </p:sp>
+      <p:cxnSp>
+        <p:nvCxnSpPr>
+          <p:cNvPr id="19" name="Straight Connector 18"/>
+          <p:cNvCxnSpPr/>
+          <p:nvPr/>
+        </p:nvCxnSpPr>
+        <p:spPr>
+          <a:xfrm>
+            <a:off x="533400" y="2667000"/>
+            <a:ext cx="0" cy="3810000"/>
+          </a:xfrm>
+          <a:prstGeom prst="line">
+            <a:avLst/>
+          </a:prstGeom>
+          <a:ln>
+            <a:solidFill>
+              <a:srgbClr val="002060"/>
+            </a:solidFill>
+          </a:ln>
+        </p:spPr>
+        <p:style>
+          <a:lnRef idx="1">
+            <a:schemeClr val="accent1"/>
+          </a:lnRef>
+          <a:fillRef idx="0">
+            <a:schemeClr val="accent1"/>
+          </a:fillRef>
+          <a:effectRef idx="0">
+            <a:schemeClr val="accent1"/>
+          </a:effectRef>
+          <a:fontRef idx="minor">
+            <a:schemeClr val="tx1"/>
+          </a:fontRef>
+        </p:style>
+      </p:cxnSp>
+      <p:cxnSp>
+        <p:nvCxnSpPr>
+          <p:cNvPr id="21" name="Straight Connector 20"/>
+          <p:cNvCxnSpPr>
+            <a:stCxn id="13" idx="1"/>
+          </p:cNvCxnSpPr>
+          <p:nvPr/>
+        </p:nvCxnSpPr>
+        <p:spPr>
+          <a:xfrm flipH="1">
+            <a:off x="533400" y="3429000"/>
+            <a:ext cx="685800" cy="0"/>
+          </a:xfrm>
+          <a:prstGeom prst="line">
+            <a:avLst/>
+          </a:prstGeom>
+          <a:ln>
+            <a:solidFill>
+              <a:srgbClr val="002060"/>
+            </a:solidFill>
+          </a:ln>
+        </p:spPr>
+        <p:style>
+          <a:lnRef idx="1">
+            <a:schemeClr val="accent1"/>
+          </a:lnRef>
+          <a:fillRef idx="0">
+            <a:schemeClr val="accent1"/>
+          </a:fillRef>
+          <a:effectRef idx="0">
+            <a:schemeClr val="accent1"/>
+          </a:effectRef>
+          <a:fontRef idx="minor">
+            <a:schemeClr val="tx1"/>
+          </a:fontRef>
+        </p:style>
+      </p:cxnSp>
+      <p:cxnSp>
+        <p:nvCxnSpPr>
+          <p:cNvPr id="23" name="Straight Connector 22"/>
+          <p:cNvCxnSpPr/>
+          <p:nvPr/>
+        </p:nvCxnSpPr>
+        <p:spPr>
+          <a:xfrm flipH="1">
+            <a:off x="533400" y="4191000"/>
+            <a:ext cx="685800" cy="0"/>
+          </a:xfrm>
+          <a:prstGeom prst="line">
+            <a:avLst/>
+          </a:prstGeom>
+          <a:ln>
+            <a:solidFill>
+              <a:srgbClr val="002060"/>
+            </a:solidFill>
+          </a:ln>
+        </p:spPr>
+        <p:style>
+          <a:lnRef idx="1">
+            <a:schemeClr val="accent1"/>
+          </a:lnRef>
+          <a:fillRef idx="0">
+            <a:schemeClr val="accent1"/>
+          </a:fillRef>
+          <a:effectRef idx="0">
+            <a:schemeClr val="accent1"/>
+          </a:effectRef>
+          <a:fontRef idx="minor">
+            <a:schemeClr val="tx1"/>
+          </a:fontRef>
+        </p:style>
+      </p:cxnSp>
+      <p:cxnSp>
+        <p:nvCxnSpPr>
+          <p:cNvPr id="24" name="Straight Connector 23"/>
+          <p:cNvCxnSpPr/>
+          <p:nvPr/>
+        </p:nvCxnSpPr>
+        <p:spPr>
+          <a:xfrm flipH="1">
+            <a:off x="533400" y="4953000"/>
+            <a:ext cx="685800" cy="0"/>
+          </a:xfrm>
+          <a:prstGeom prst="line">
+            <a:avLst/>
+          </a:prstGeom>
+          <a:ln>
+            <a:solidFill>
+              <a:srgbClr val="002060"/>
+            </a:solidFill>
+          </a:ln>
+        </p:spPr>
+        <p:style>
+          <a:lnRef idx="1">
+            <a:schemeClr val="accent1"/>
+          </a:lnRef>
+          <a:fillRef idx="0">
+            <a:schemeClr val="accent1"/>
+          </a:fillRef>
+          <a:effectRef idx="0">
+            <a:schemeClr val="accent1"/>
+          </a:effectRef>
+          <a:fontRef idx="minor">
+            <a:schemeClr val="tx1"/>
+          </a:fontRef>
+        </p:style>
+      </p:cxnSp>
+      <p:cxnSp>
+        <p:nvCxnSpPr>
+          <p:cNvPr id="25" name="Straight Connector 24"/>
+          <p:cNvCxnSpPr/>
+          <p:nvPr/>
+        </p:nvCxnSpPr>
+        <p:spPr>
+          <a:xfrm flipH="1">
+            <a:off x="533400" y="5715000"/>
+            <a:ext cx="685800" cy="0"/>
+          </a:xfrm>
+          <a:prstGeom prst="line">
+            <a:avLst/>
+          </a:prstGeom>
+          <a:ln>
+            <a:solidFill>
+              <a:srgbClr val="002060"/>
+            </a:solidFill>
+          </a:ln>
+        </p:spPr>
+        <p:style>
+          <a:lnRef idx="1">
+            <a:schemeClr val="accent1"/>
+          </a:lnRef>
+          <a:fillRef idx="0">
+            <a:schemeClr val="accent1"/>
+          </a:fillRef>
+          <a:effectRef idx="0">
+            <a:schemeClr val="accent1"/>
+          </a:effectRef>
+          <a:fontRef idx="minor">
+            <a:schemeClr val="tx1"/>
+          </a:fontRef>
+        </p:style>
+      </p:cxnSp>
+      <p:cxnSp>
+        <p:nvCxnSpPr>
+          <p:cNvPr id="26" name="Straight Connector 25"/>
+          <p:cNvCxnSpPr/>
+          <p:nvPr/>
+        </p:nvCxnSpPr>
+        <p:spPr>
+          <a:xfrm flipH="1">
+            <a:off x="533400" y="6477000"/>
+            <a:ext cx="685800" cy="0"/>
+          </a:xfrm>
+          <a:prstGeom prst="line">
+            <a:avLst/>
+          </a:prstGeom>
+          <a:ln>
+            <a:solidFill>
+              <a:srgbClr val="002060"/>
+            </a:solidFill>
+          </a:ln>
+        </p:spPr>
+        <p:style>
+          <a:lnRef idx="1">
+            <a:schemeClr val="accent1"/>
+          </a:lnRef>
+          <a:fillRef idx="0">
+            <a:schemeClr val="accent1"/>
+          </a:fillRef>
+          <a:effectRef idx="0">
+            <a:schemeClr val="accent1"/>
+          </a:effectRef>
+          <a:fontRef idx="minor">
+            <a:schemeClr val="tx1"/>
+          </a:fontRef>
+        </p:style>
+      </p:cxnSp>
+      <p:cxnSp>
+        <p:nvCxnSpPr>
+          <p:cNvPr id="29" name="Straight Connector 28"/>
+          <p:cNvCxnSpPr>
+            <a:endCxn id="4" idx="1"/>
+          </p:cNvCxnSpPr>
+          <p:nvPr/>
+        </p:nvCxnSpPr>
+        <p:spPr>
+          <a:xfrm flipV="1">
+            <a:off x="533400" y="2590800"/>
+            <a:ext cx="152400" cy="76200"/>
+          </a:xfrm>
+          <a:prstGeom prst="line">
+            <a:avLst/>
+          </a:prstGeom>
+        </p:spPr>
+        <p:style>
+          <a:lnRef idx="1">
+            <a:schemeClr val="accent1"/>
+          </a:lnRef>
+          <a:fillRef idx="0">
+            <a:schemeClr val="accent1"/>
+          </a:fillRef>
+          <a:effectRef idx="0">
+            <a:schemeClr val="accent1"/>
+          </a:effectRef>
+          <a:fontRef idx="minor">
+            <a:schemeClr val="tx1"/>
+          </a:fontRef>
+        </p:style>
+      </p:cxnSp>
+    </p:spTree>
+  </p:cSld>
+  <p:clrMapOvr>
+    <a:masterClrMapping/>
+  </p:clrMapOvr>
+</p:sld>
+</file>
+
+<file path=ppt/slides/slide31.xml><?xml version="1.0" encoding="utf-8"?>
 <p:sld xmlns:a="http://schemas.openxmlformats.org/drawingml/2006/main" xmlns:r="http://schemas.openxmlformats.org/officeDocument/2006/relationships" xmlns:p="http://schemas.openxmlformats.org/presentationml/2006/main">
   <p:cSld>
     <p:spTree>
